--- a/최종 발표 자료/스크립트 텀프로젝트 최종발표 - 2011181023 손지훈 2011181030 양재혁.pptx
+++ b/최종 발표 자료/스크립트 텀프로젝트 최종발표 - 2011181023 손지훈 2011181030 양재혁.pptx
@@ -7,7 +7,8 @@
   <p:sldIdLst>
     <p:sldId id="256" r:id="rId2"/>
     <p:sldId id="260" r:id="rId3"/>
-    <p:sldId id="262" r:id="rId4"/>
+    <p:sldId id="263" r:id="rId4"/>
+    <p:sldId id="262" r:id="rId5"/>
   </p:sldIdLst>
   <p:sldSz cx="12192000" cy="6858000"/>
   <p:notesSz cx="6858000" cy="9144000"/>
@@ -9671,6 +9672,98 @@
       </p:grpSpPr>
       <p:sp>
         <p:nvSpPr>
+          <p:cNvPr id="4" name="제목 1"/>
+          <p:cNvSpPr>
+            <a:spLocks noGrp="1"/>
+          </p:cNvSpPr>
+          <p:nvPr>
+            <p:ph type="title"/>
+          </p:nvPr>
+        </p:nvSpPr>
+        <p:spPr>
+          <a:xfrm>
+            <a:off x="1789112" y="472312"/>
+            <a:ext cx="10515600" cy="1325563"/>
+          </a:xfrm>
+        </p:spPr>
+        <p:txBody>
+          <a:bodyPr>
+            <a:normAutofit/>
+          </a:bodyPr>
+          <a:lstStyle/>
+          <a:p>
+            <a:r>
+              <a:rPr lang="ko-KR" altLang="en-US" sz="5000">
+                <a:latin typeface="HY바다L" panose="02030600000101010101" pitchFamily="18" charset="-127"/>
+                <a:ea typeface="HY바다L" panose="02030600000101010101" pitchFamily="18" charset="-127"/>
+              </a:rPr>
+              <a:t>커밋</a:t>
+            </a:r>
+          </a:p>
+        </p:txBody>
+      </p:sp>
+      <p:pic>
+        <p:nvPicPr>
+          <p:cNvPr id="5" name="그림 4"/>
+          <p:cNvPicPr>
+            <a:picLocks noChangeAspect="1"/>
+          </p:cNvPicPr>
+          <p:nvPr/>
+        </p:nvPicPr>
+        <p:blipFill>
+          <a:blip r:embed="rId2">
+            <a:extLst>
+              <a:ext uri="{28A0092B-C50C-407E-A947-70E740481C1C}">
+                <a14:useLocalDpi xmlns:a14="http://schemas.microsoft.com/office/drawing/2010/main" val="0"/>
+              </a:ext>
+            </a:extLst>
+          </a:blip>
+          <a:stretch>
+            <a:fillRect/>
+          </a:stretch>
+        </p:blipFill>
+        <p:spPr>
+          <a:xfrm>
+            <a:off x="1789112" y="1585520"/>
+            <a:ext cx="9351818" cy="4911753"/>
+          </a:xfrm>
+          <a:prstGeom prst="rect">
+            <a:avLst/>
+          </a:prstGeom>
+        </p:spPr>
+      </p:pic>
+    </p:spTree>
+    <p:extLst>
+      <p:ext uri="{BB962C8B-B14F-4D97-AF65-F5344CB8AC3E}">
+        <p14:creationId xmlns:p14="http://schemas.microsoft.com/office/powerpoint/2010/main" val="4156920064"/>
+      </p:ext>
+    </p:extLst>
+  </p:cSld>
+  <p:clrMapOvr>
+    <a:masterClrMapping/>
+  </p:clrMapOvr>
+</p:sld>
+</file>
+
+<file path=ppt/slides/slide4.xml><?xml version="1.0" encoding="utf-8"?>
+<p:sld xmlns:a="http://schemas.openxmlformats.org/drawingml/2006/main" xmlns:r="http://schemas.openxmlformats.org/officeDocument/2006/relationships" xmlns:p="http://schemas.openxmlformats.org/presentationml/2006/main">
+  <p:cSld>
+    <p:spTree>
+      <p:nvGrpSpPr>
+        <p:cNvPr id="1" name=""/>
+        <p:cNvGrpSpPr/>
+        <p:nvPr/>
+      </p:nvGrpSpPr>
+      <p:grpSpPr>
+        <a:xfrm>
+          <a:off x="0" y="0"/>
+          <a:ext cx="0" cy="0"/>
+          <a:chOff x="0" y="0"/>
+          <a:chExt cx="0" cy="0"/>
+        </a:xfrm>
+      </p:grpSpPr>
+      <p:sp>
+        <p:nvSpPr>
           <p:cNvPr id="3" name="내용 개체 틀 2"/>
           <p:cNvSpPr>
             <a:spLocks noGrp="1"/>

--- a/최종 발표 자료/스크립트 텀프로젝트 최종발표 - 2011181023 손지훈 2011181030 양재혁.pptx
+++ b/최종 발표 자료/스크립트 텀프로젝트 최종발표 - 2011181023 손지훈 2011181030 양재혁.pptx
@@ -7902,28 +7902,28 @@
                 <a:gridCol w="1235406">
                   <a:extLst>
                     <a:ext uri="{9D8B030D-6E8A-4147-A177-3AD203B41FA5}">
-                      <a16:colId xmlns:a16="http://schemas.microsoft.com/office/drawing/2014/main" val="3130116251"/>
+                      <a16:colId xmlns:a16="http://schemas.microsoft.com/office/drawing/2014/main" xmlns="" val="3130116251"/>
                     </a:ext>
                   </a:extLst>
                 </a:gridCol>
                 <a:gridCol w="3050809">
                   <a:extLst>
                     <a:ext uri="{9D8B030D-6E8A-4147-A177-3AD203B41FA5}">
-                      <a16:colId xmlns:a16="http://schemas.microsoft.com/office/drawing/2014/main" val="567274282"/>
+                      <a16:colId xmlns:a16="http://schemas.microsoft.com/office/drawing/2014/main" xmlns="" val="567274282"/>
                     </a:ext>
                   </a:extLst>
                 </a:gridCol>
                 <a:gridCol w="3708468">
                   <a:extLst>
                     <a:ext uri="{9D8B030D-6E8A-4147-A177-3AD203B41FA5}">
-                      <a16:colId xmlns:a16="http://schemas.microsoft.com/office/drawing/2014/main" val="4240577183"/>
+                      <a16:colId xmlns:a16="http://schemas.microsoft.com/office/drawing/2014/main" xmlns="" val="4240577183"/>
                     </a:ext>
                   </a:extLst>
                 </a:gridCol>
                 <a:gridCol w="1790294">
                   <a:extLst>
                     <a:ext uri="{9D8B030D-6E8A-4147-A177-3AD203B41FA5}">
-                      <a16:colId xmlns:a16="http://schemas.microsoft.com/office/drawing/2014/main" val="3110937553"/>
+                      <a16:colId xmlns:a16="http://schemas.microsoft.com/office/drawing/2014/main" xmlns="" val="3110937553"/>
                     </a:ext>
                   </a:extLst>
                 </a:gridCol>
@@ -7987,7 +7987,7 @@
                 </a:tc>
                 <a:extLst>
                   <a:ext uri="{0D108BD9-81ED-4DB2-BD59-A6C34878D82A}">
-                    <a16:rowId xmlns:a16="http://schemas.microsoft.com/office/drawing/2014/main" val="1771836580"/>
+                    <a16:rowId xmlns:a16="http://schemas.microsoft.com/office/drawing/2014/main" xmlns="" val="1771836580"/>
                   </a:ext>
                 </a:extLst>
               </a:tr>
@@ -8144,7 +8144,7 @@
                 </a:tc>
                 <a:extLst>
                   <a:ext uri="{0D108BD9-81ED-4DB2-BD59-A6C34878D82A}">
-                    <a16:rowId xmlns:a16="http://schemas.microsoft.com/office/drawing/2014/main" val="1066783592"/>
+                    <a16:rowId xmlns:a16="http://schemas.microsoft.com/office/drawing/2014/main" xmlns="" val="1066783592"/>
                   </a:ext>
                 </a:extLst>
               </a:tr>
@@ -8388,7 +8388,7 @@
                 </a:tc>
                 <a:extLst>
                   <a:ext uri="{0D108BD9-81ED-4DB2-BD59-A6C34878D82A}">
-                    <a16:rowId xmlns:a16="http://schemas.microsoft.com/office/drawing/2014/main" val="3181699754"/>
+                    <a16:rowId xmlns:a16="http://schemas.microsoft.com/office/drawing/2014/main" xmlns="" val="3181699754"/>
                   </a:ext>
                 </a:extLst>
               </a:tr>
@@ -8580,7 +8580,7 @@
                 </a:tc>
                 <a:extLst>
                   <a:ext uri="{0D108BD9-81ED-4DB2-BD59-A6C34878D82A}">
-                    <a16:rowId xmlns:a16="http://schemas.microsoft.com/office/drawing/2014/main" val="3969082127"/>
+                    <a16:rowId xmlns:a16="http://schemas.microsoft.com/office/drawing/2014/main" xmlns="" val="3969082127"/>
                   </a:ext>
                 </a:extLst>
               </a:tr>
@@ -8813,7 +8813,7 @@
                 </a:tc>
                 <a:extLst>
                   <a:ext uri="{0D108BD9-81ED-4DB2-BD59-A6C34878D82A}">
-                    <a16:rowId xmlns:a16="http://schemas.microsoft.com/office/drawing/2014/main" val="3079507104"/>
+                    <a16:rowId xmlns:a16="http://schemas.microsoft.com/office/drawing/2014/main" xmlns="" val="3079507104"/>
                   </a:ext>
                 </a:extLst>
               </a:tr>
@@ -8982,7 +8982,7 @@
                 </a:tc>
                 <a:extLst>
                   <a:ext uri="{0D108BD9-81ED-4DB2-BD59-A6C34878D82A}">
-                    <a16:rowId xmlns:a16="http://schemas.microsoft.com/office/drawing/2014/main" val="94333453"/>
+                    <a16:rowId xmlns:a16="http://schemas.microsoft.com/office/drawing/2014/main" xmlns="" val="94333453"/>
                   </a:ext>
                 </a:extLst>
               </a:tr>
@@ -9178,13 +9178,29 @@
                     <a:bodyPr/>
                     <a:lstStyle/>
                     <a:p>
-                      <a:pPr algn="ctr" latinLnBrk="1"/>
-                      <a:r>
-                        <a:rPr lang="en-US" altLang="ko-KR" sz="1600">
-                          <a:latin typeface="휴먼모음T" panose="02030504000101010101" pitchFamily="18" charset="-127"/>
-                          <a:ea typeface="휴먼모음T" panose="02030504000101010101" pitchFamily="18" charset="-127"/>
-                        </a:rPr>
-                        <a:t>50%</a:t>
+                      <a:pPr marL="0" marR="0" lvl="0" indent="0" algn="ctr" defTabSz="457200" rtl="0" eaLnBrk="1" fontAlgn="auto" latinLnBrk="1" hangingPunct="1">
+                        <a:lnSpc>
+                          <a:spcPct val="100000"/>
+                        </a:lnSpc>
+                        <a:spcBef>
+                          <a:spcPts val="0"/>
+                        </a:spcBef>
+                        <a:spcAft>
+                          <a:spcPts val="0"/>
+                        </a:spcAft>
+                        <a:buClrTx/>
+                        <a:buSzTx/>
+                        <a:buFontTx/>
+                        <a:buNone/>
+                        <a:tabLst/>
+                        <a:defRPr/>
+                      </a:pPr>
+                      <a:r>
+                        <a:rPr lang="en-US" altLang="ko-KR" sz="1600" smtClean="0">
+                          <a:latin typeface="휴먼모음T" panose="02030504000101010101" pitchFamily="18" charset="-127"/>
+                          <a:ea typeface="휴먼모음T" panose="02030504000101010101" pitchFamily="18" charset="-127"/>
+                        </a:rPr>
+                        <a:t>O</a:t>
                       </a:r>
                       <a:endParaRPr lang="ko-KR" altLang="en-US" sz="1600">
                         <a:latin typeface="휴먼모음T" panose="02030504000101010101" pitchFamily="18" charset="-127"/>
@@ -9196,7 +9212,7 @@
                 </a:tc>
                 <a:extLst>
                   <a:ext uri="{0D108BD9-81ED-4DB2-BD59-A6C34878D82A}">
-                    <a16:rowId xmlns:a16="http://schemas.microsoft.com/office/drawing/2014/main" val="3155219568"/>
+                    <a16:rowId xmlns:a16="http://schemas.microsoft.com/office/drawing/2014/main" xmlns="" val="3155219568"/>
                   </a:ext>
                 </a:extLst>
               </a:tr>
@@ -9445,7 +9461,7 @@
                 </a:tc>
                 <a:extLst>
                   <a:ext uri="{0D108BD9-81ED-4DB2-BD59-A6C34878D82A}">
-                    <a16:rowId xmlns:a16="http://schemas.microsoft.com/office/drawing/2014/main" val="1083539043"/>
+                    <a16:rowId xmlns:a16="http://schemas.microsoft.com/office/drawing/2014/main" xmlns="" val="1083539043"/>
                   </a:ext>
                 </a:extLst>
               </a:tr>
@@ -9632,7 +9648,7 @@
                 </a:tc>
                 <a:extLst>
                   <a:ext uri="{0D108BD9-81ED-4DB2-BD59-A6C34878D82A}">
-                    <a16:rowId xmlns:a16="http://schemas.microsoft.com/office/drawing/2014/main" val="746666000"/>
+                    <a16:rowId xmlns:a16="http://schemas.microsoft.com/office/drawing/2014/main" xmlns="" val="746666000"/>
                   </a:ext>
                 </a:extLst>
               </a:tr>
